--- a/FlaskTemplate/Presentation2.pptx
+++ b/FlaskTemplate/Presentation2.pptx
@@ -288,7 +288,7 @@
           <a:p>
             <a:fld id="{B6D41BCC-AD73-4203-A5A6-E62EB28B0FE6}" type="datetimeFigureOut">
               <a:rPr lang="en-US" smtClean="0"/>
-              <a:t>5/20/2024</a:t>
+              <a:t>9/13/24</a:t>
             </a:fld>
             <a:endParaRPr lang="en-US"/>
           </a:p>
@@ -496,7 +496,7 @@
           <a:p>
             <a:fld id="{B6D41BCC-AD73-4203-A5A6-E62EB28B0FE6}" type="datetimeFigureOut">
               <a:rPr lang="en-US" smtClean="0"/>
-              <a:t>5/20/2024</a:t>
+              <a:t>9/13/24</a:t>
             </a:fld>
             <a:endParaRPr lang="en-US"/>
           </a:p>
@@ -704,7 +704,7 @@
           <a:p>
             <a:fld id="{B6D41BCC-AD73-4203-A5A6-E62EB28B0FE6}" type="datetimeFigureOut">
               <a:rPr lang="en-US" smtClean="0"/>
-              <a:t>5/20/2024</a:t>
+              <a:t>9/13/24</a:t>
             </a:fld>
             <a:endParaRPr lang="en-US"/>
           </a:p>
@@ -902,7 +902,7 @@
           <a:p>
             <a:fld id="{B6D41BCC-AD73-4203-A5A6-E62EB28B0FE6}" type="datetimeFigureOut">
               <a:rPr lang="en-US" smtClean="0"/>
-              <a:t>5/20/2024</a:t>
+              <a:t>9/13/24</a:t>
             </a:fld>
             <a:endParaRPr lang="en-US"/>
           </a:p>
@@ -1179,7 +1179,7 @@
           <a:p>
             <a:fld id="{B6D41BCC-AD73-4203-A5A6-E62EB28B0FE6}" type="datetimeFigureOut">
               <a:rPr lang="en-US" smtClean="0"/>
-              <a:t>5/20/2024</a:t>
+              <a:t>9/13/24</a:t>
             </a:fld>
             <a:endParaRPr lang="en-US"/>
           </a:p>
@@ -1449,7 +1449,7 @@
           <a:p>
             <a:fld id="{B6D41BCC-AD73-4203-A5A6-E62EB28B0FE6}" type="datetimeFigureOut">
               <a:rPr lang="en-US" smtClean="0"/>
-              <a:t>5/20/2024</a:t>
+              <a:t>9/13/24</a:t>
             </a:fld>
             <a:endParaRPr lang="en-US"/>
           </a:p>
@@ -1865,7 +1865,7 @@
           <a:p>
             <a:fld id="{B6D41BCC-AD73-4203-A5A6-E62EB28B0FE6}" type="datetimeFigureOut">
               <a:rPr lang="en-US" smtClean="0"/>
-              <a:t>5/20/2024</a:t>
+              <a:t>9/13/24</a:t>
             </a:fld>
             <a:endParaRPr lang="en-US"/>
           </a:p>
@@ -2006,7 +2006,7 @@
           <a:p>
             <a:fld id="{B6D41BCC-AD73-4203-A5A6-E62EB28B0FE6}" type="datetimeFigureOut">
               <a:rPr lang="en-US" smtClean="0"/>
-              <a:t>5/20/2024</a:t>
+              <a:t>9/13/24</a:t>
             </a:fld>
             <a:endParaRPr lang="en-US"/>
           </a:p>
@@ -2119,7 +2119,7 @@
           <a:p>
             <a:fld id="{B6D41BCC-AD73-4203-A5A6-E62EB28B0FE6}" type="datetimeFigureOut">
               <a:rPr lang="en-US" smtClean="0"/>
-              <a:t>5/20/2024</a:t>
+              <a:t>9/13/24</a:t>
             </a:fld>
             <a:endParaRPr lang="en-US"/>
           </a:p>
@@ -2445,7 +2445,7 @@
           <a:p>
             <a:fld id="{B6D41BCC-AD73-4203-A5A6-E62EB28B0FE6}" type="datetimeFigureOut">
               <a:rPr lang="en-US" smtClean="0"/>
-              <a:t>5/20/2024</a:t>
+              <a:t>9/13/24</a:t>
             </a:fld>
             <a:endParaRPr lang="en-US"/>
           </a:p>
@@ -2733,7 +2733,7 @@
           <a:p>
             <a:fld id="{B6D41BCC-AD73-4203-A5A6-E62EB28B0FE6}" type="datetimeFigureOut">
               <a:rPr lang="en-US" smtClean="0"/>
-              <a:t>5/20/2024</a:t>
+              <a:t>9/13/24</a:t>
             </a:fld>
             <a:endParaRPr lang="en-US"/>
           </a:p>
@@ -2973,7 +2973,7 @@
             <a:fld id="{B6D41BCC-AD73-4203-A5A6-E62EB28B0FE6}" type="datetimeFigureOut">
               <a:rPr lang="en-US" smtClean="0"/>
               <a:pPr/>
-              <a:t>5/20/2024</a:t>
+              <a:t>9/13/24</a:t>
             </a:fld>
             <a:endParaRPr lang="en-US"/>
           </a:p>
@@ -5563,15 +5563,7 @@
           <a:p>
             <a:r>
               <a:rPr lang="en-US" dirty="0" err="1"/>
-              <a:t>Vandaag</a:t>
-            </a:r>
-            <a:r>
-              <a:rPr lang="en-US" dirty="0"/>
-              <a:t> </a:t>
-            </a:r>
-            <a:r>
-              <a:rPr lang="en-US" dirty="0" err="1"/>
-              <a:t>gehad</a:t>
+              <a:t>Samenvatting</a:t>
             </a:r>
             <a:endParaRPr lang="en-US" dirty="0"/>
           </a:p>
